--- a/resource/30.analysis/320.environment/[Saturn]321.개발 환경 분석.pptx
+++ b/resource/30.analysis/320.environment/[Saturn]321.개발 환경 분석.pptx
@@ -6,6 +6,7 @@
   </p:sldMasterIdLst>
   <p:sldIdLst>
     <p:sldId id="257" r:id="rId2"/>
+    <p:sldId id="258" r:id="rId3"/>
   </p:sldIdLst>
   <p:sldSz cx="12192000" cy="6858000"/>
   <p:notesSz cx="6858000" cy="9144000"/>
@@ -104,6 +105,11 @@
       </a:defRPr>
     </a:lvl9pPr>
   </p:defaultTextStyle>
+  <p:extLst>
+    <p:ext uri="{EFAFB233-063F-42B5-8137-9DF3F51BA10A}">
+      <p15:sldGuideLst xmlns:p15="http://schemas.microsoft.com/office/powerpoint/2012/main"/>
+    </p:ext>
+  </p:extLst>
 </p:presentation>
 </file>
 
@@ -238,7 +244,7 @@
           <a:p>
             <a:fld id="{2BCBA0FB-25CC-45B7-8A1C-1FCE41FB3E22}" type="datetimeFigureOut">
               <a:rPr lang="ko-KR" altLang="en-US" smtClean="0"/>
-              <a:t>2024-10-14</a:t>
+              <a:t>2024-11-07</a:t>
             </a:fld>
             <a:endParaRPr lang="ko-KR" altLang="en-US"/>
           </a:p>
@@ -408,7 +414,7 @@
           <a:p>
             <a:fld id="{2BCBA0FB-25CC-45B7-8A1C-1FCE41FB3E22}" type="datetimeFigureOut">
               <a:rPr lang="ko-KR" altLang="en-US" smtClean="0"/>
-              <a:t>2024-10-14</a:t>
+              <a:t>2024-11-07</a:t>
             </a:fld>
             <a:endParaRPr lang="ko-KR" altLang="en-US"/>
           </a:p>
@@ -588,7 +594,7 @@
           <a:p>
             <a:fld id="{2BCBA0FB-25CC-45B7-8A1C-1FCE41FB3E22}" type="datetimeFigureOut">
               <a:rPr lang="ko-KR" altLang="en-US" smtClean="0"/>
-              <a:t>2024-10-14</a:t>
+              <a:t>2024-11-07</a:t>
             </a:fld>
             <a:endParaRPr lang="ko-KR" altLang="en-US"/>
           </a:p>
@@ -758,7 +764,7 @@
           <a:p>
             <a:fld id="{2BCBA0FB-25CC-45B7-8A1C-1FCE41FB3E22}" type="datetimeFigureOut">
               <a:rPr lang="ko-KR" altLang="en-US" smtClean="0"/>
-              <a:t>2024-10-14</a:t>
+              <a:t>2024-11-07</a:t>
             </a:fld>
             <a:endParaRPr lang="ko-KR" altLang="en-US"/>
           </a:p>
@@ -1004,7 +1010,7 @@
           <a:p>
             <a:fld id="{2BCBA0FB-25CC-45B7-8A1C-1FCE41FB3E22}" type="datetimeFigureOut">
               <a:rPr lang="ko-KR" altLang="en-US" smtClean="0"/>
-              <a:t>2024-10-14</a:t>
+              <a:t>2024-11-07</a:t>
             </a:fld>
             <a:endParaRPr lang="ko-KR" altLang="en-US"/>
           </a:p>
@@ -1236,7 +1242,7 @@
           <a:p>
             <a:fld id="{2BCBA0FB-25CC-45B7-8A1C-1FCE41FB3E22}" type="datetimeFigureOut">
               <a:rPr lang="ko-KR" altLang="en-US" smtClean="0"/>
-              <a:t>2024-10-14</a:t>
+              <a:t>2024-11-07</a:t>
             </a:fld>
             <a:endParaRPr lang="ko-KR" altLang="en-US"/>
           </a:p>
@@ -1603,7 +1609,7 @@
           <a:p>
             <a:fld id="{2BCBA0FB-25CC-45B7-8A1C-1FCE41FB3E22}" type="datetimeFigureOut">
               <a:rPr lang="ko-KR" altLang="en-US" smtClean="0"/>
-              <a:t>2024-10-14</a:t>
+              <a:t>2024-11-07</a:t>
             </a:fld>
             <a:endParaRPr lang="ko-KR" altLang="en-US"/>
           </a:p>
@@ -1721,7 +1727,7 @@
           <a:p>
             <a:fld id="{2BCBA0FB-25CC-45B7-8A1C-1FCE41FB3E22}" type="datetimeFigureOut">
               <a:rPr lang="ko-KR" altLang="en-US" smtClean="0"/>
-              <a:t>2024-10-14</a:t>
+              <a:t>2024-11-07</a:t>
             </a:fld>
             <a:endParaRPr lang="ko-KR" altLang="en-US"/>
           </a:p>
@@ -1816,7 +1822,7 @@
           <a:p>
             <a:fld id="{2BCBA0FB-25CC-45B7-8A1C-1FCE41FB3E22}" type="datetimeFigureOut">
               <a:rPr lang="ko-KR" altLang="en-US" smtClean="0"/>
-              <a:t>2024-10-14</a:t>
+              <a:t>2024-11-07</a:t>
             </a:fld>
             <a:endParaRPr lang="ko-KR" altLang="en-US"/>
           </a:p>
@@ -2093,7 +2099,7 @@
           <a:p>
             <a:fld id="{2BCBA0FB-25CC-45B7-8A1C-1FCE41FB3E22}" type="datetimeFigureOut">
               <a:rPr lang="ko-KR" altLang="en-US" smtClean="0"/>
-              <a:t>2024-10-14</a:t>
+              <a:t>2024-11-07</a:t>
             </a:fld>
             <a:endParaRPr lang="ko-KR" altLang="en-US"/>
           </a:p>
@@ -2346,7 +2352,7 @@
           <a:p>
             <a:fld id="{2BCBA0FB-25CC-45B7-8A1C-1FCE41FB3E22}" type="datetimeFigureOut">
               <a:rPr lang="ko-KR" altLang="en-US" smtClean="0"/>
-              <a:t>2024-10-14</a:t>
+              <a:t>2024-11-07</a:t>
             </a:fld>
             <a:endParaRPr lang="ko-KR" altLang="en-US"/>
           </a:p>
@@ -2559,7 +2565,7 @@
           <a:p>
             <a:fld id="{2BCBA0FB-25CC-45B7-8A1C-1FCE41FB3E22}" type="datetimeFigureOut">
               <a:rPr lang="ko-KR" altLang="en-US" smtClean="0"/>
-              <a:t>2024-10-14</a:t>
+              <a:t>2024-11-07</a:t>
             </a:fld>
             <a:endParaRPr lang="ko-KR" altLang="en-US"/>
           </a:p>
@@ -4094,6 +4100,2009 @@
     <mc:Choice Requires="p14">
       <p:transition/>
     </mc:Choice>
+    <mc:Fallback xmlns="" xmlns:c="http://schemas.openxmlformats.org/drawingml/2006/chart" xmlns:dgm="http://schemas.openxmlformats.org/drawingml/2006/diagram" xmlns:dsp="http://schemas.microsoft.com/office/drawing/2008/diagram">
+      <p:transition/>
+    </mc:Fallback>
+  </mc:AlternateContent>
+</p:sld>
+</file>
+
+<file path=ppt/slides/slide2.xml><?xml version="1.0" encoding="utf-8"?>
+<p:sld xmlns:a="http://schemas.openxmlformats.org/drawingml/2006/main" xmlns:r="http://schemas.openxmlformats.org/officeDocument/2006/relationships" xmlns:p="http://schemas.openxmlformats.org/presentationml/2006/main">
+  <p:cSld>
+    <p:spTree>
+      <p:nvGrpSpPr>
+        <p:cNvPr id="1" name=""/>
+        <p:cNvGrpSpPr/>
+        <p:nvPr/>
+      </p:nvGrpSpPr>
+      <p:grpSpPr>
+        <a:xfrm>
+          <a:off x="0" y="0"/>
+          <a:ext cx="0" cy="0"/>
+          <a:chOff x="0" y="0"/>
+          <a:chExt cx="0" cy="0"/>
+        </a:xfrm>
+      </p:grpSpPr>
+      <p:sp>
+        <p:nvSpPr>
+          <p:cNvPr id="43" name="직사각형 42"/>
+          <p:cNvSpPr/>
+          <p:nvPr/>
+        </p:nvSpPr>
+        <p:spPr>
+          <a:xfrm>
+            <a:off x="494135" y="4947610"/>
+            <a:ext cx="1620413" cy="1242896"/>
+          </a:xfrm>
+          <a:prstGeom prst="rect">
+            <a:avLst/>
+          </a:prstGeom>
+          <a:solidFill>
+            <a:schemeClr val="lt1"/>
+          </a:solidFill>
+        </p:spPr>
+        <p:style>
+          <a:lnRef idx="2">
+            <a:schemeClr val="accent1">
+              <a:shade val="20000"/>
+            </a:schemeClr>
+          </a:lnRef>
+          <a:fillRef idx="1">
+            <a:schemeClr val="accent1"/>
+          </a:fillRef>
+          <a:effectRef idx="0">
+            <a:schemeClr val="accent1"/>
+          </a:effectRef>
+          <a:fontRef idx="minor">
+            <a:schemeClr val="lt1"/>
+          </a:fontRef>
+        </p:style>
+        <p:txBody>
+          <a:bodyPr anchor="ctr"/>
+          <a:lstStyle/>
+          <a:p>
+            <a:pPr algn="ctr">
+              <a:defRPr/>
+            </a:pPr>
+            <a:endParaRPr lang="en-US" altLang="ko-KR"/>
+          </a:p>
+        </p:txBody>
+      </p:sp>
+      <p:sp>
+        <p:nvSpPr>
+          <p:cNvPr id="42" name="직사각형 41"/>
+          <p:cNvSpPr/>
+          <p:nvPr/>
+        </p:nvSpPr>
+        <p:spPr>
+          <a:xfrm>
+            <a:off x="2345887" y="4955601"/>
+            <a:ext cx="2773969" cy="1242896"/>
+          </a:xfrm>
+          <a:prstGeom prst="rect">
+            <a:avLst/>
+          </a:prstGeom>
+          <a:solidFill>
+            <a:schemeClr val="lt1"/>
+          </a:solidFill>
+        </p:spPr>
+        <p:style>
+          <a:lnRef idx="2">
+            <a:schemeClr val="accent1">
+              <a:shade val="20000"/>
+            </a:schemeClr>
+          </a:lnRef>
+          <a:fillRef idx="1">
+            <a:schemeClr val="accent1"/>
+          </a:fillRef>
+          <a:effectRef idx="0">
+            <a:schemeClr val="accent1"/>
+          </a:effectRef>
+          <a:fontRef idx="minor">
+            <a:schemeClr val="lt1"/>
+          </a:fontRef>
+        </p:style>
+        <p:txBody>
+          <a:bodyPr anchor="ctr"/>
+          <a:lstStyle/>
+          <a:p>
+            <a:pPr algn="ctr">
+              <a:defRPr/>
+            </a:pPr>
+            <a:endParaRPr lang="en-US" altLang="ko-KR"/>
+          </a:p>
+        </p:txBody>
+      </p:sp>
+      <p:sp>
+        <p:nvSpPr>
+          <p:cNvPr id="41" name="직사각형 40"/>
+          <p:cNvSpPr/>
+          <p:nvPr/>
+        </p:nvSpPr>
+        <p:spPr>
+          <a:xfrm>
+            <a:off x="5303709" y="4955801"/>
+            <a:ext cx="1537903" cy="1242896"/>
+          </a:xfrm>
+          <a:prstGeom prst="rect">
+            <a:avLst/>
+          </a:prstGeom>
+          <a:solidFill>
+            <a:schemeClr val="lt1"/>
+          </a:solidFill>
+        </p:spPr>
+        <p:style>
+          <a:lnRef idx="2">
+            <a:schemeClr val="accent1">
+              <a:shade val="20000"/>
+            </a:schemeClr>
+          </a:lnRef>
+          <a:fillRef idx="1">
+            <a:schemeClr val="accent1"/>
+          </a:fillRef>
+          <a:effectRef idx="0">
+            <a:schemeClr val="accent1"/>
+          </a:effectRef>
+          <a:fontRef idx="minor">
+            <a:schemeClr val="lt1"/>
+          </a:fontRef>
+        </p:style>
+        <p:txBody>
+          <a:bodyPr anchor="ctr"/>
+          <a:lstStyle/>
+          <a:p>
+            <a:pPr algn="ctr">
+              <a:defRPr/>
+            </a:pPr>
+            <a:endParaRPr lang="en-US" altLang="ko-KR"/>
+          </a:p>
+        </p:txBody>
+      </p:sp>
+      <p:sp>
+        <p:nvSpPr>
+          <p:cNvPr id="40" name="직사각형 39"/>
+          <p:cNvSpPr/>
+          <p:nvPr/>
+        </p:nvSpPr>
+        <p:spPr>
+          <a:xfrm>
+            <a:off x="8923085" y="4934644"/>
+            <a:ext cx="2728755" cy="1242896"/>
+          </a:xfrm>
+          <a:prstGeom prst="rect">
+            <a:avLst/>
+          </a:prstGeom>
+          <a:solidFill>
+            <a:schemeClr val="lt1"/>
+          </a:solidFill>
+        </p:spPr>
+        <p:style>
+          <a:lnRef idx="2">
+            <a:schemeClr val="accent1">
+              <a:shade val="20000"/>
+            </a:schemeClr>
+          </a:lnRef>
+          <a:fillRef idx="1">
+            <a:schemeClr val="accent1"/>
+          </a:fillRef>
+          <a:effectRef idx="0">
+            <a:schemeClr val="accent1"/>
+          </a:effectRef>
+          <a:fontRef idx="minor">
+            <a:schemeClr val="lt1"/>
+          </a:fontRef>
+        </p:style>
+        <p:txBody>
+          <a:bodyPr anchor="ctr"/>
+          <a:lstStyle/>
+          <a:p>
+            <a:pPr algn="ctr">
+              <a:defRPr/>
+            </a:pPr>
+            <a:r>
+              <a:rPr lang="en-US" altLang="ko-KR"/>
+              <a:t>C</a:t>
+            </a:r>
+          </a:p>
+        </p:txBody>
+      </p:sp>
+      <p:sp>
+        <p:nvSpPr>
+          <p:cNvPr id="39" name="직사각형 38"/>
+          <p:cNvSpPr/>
+          <p:nvPr/>
+        </p:nvSpPr>
+        <p:spPr>
+          <a:xfrm>
+            <a:off x="8169705" y="2971102"/>
+            <a:ext cx="1643821" cy="1330016"/>
+          </a:xfrm>
+          <a:prstGeom prst="rect">
+            <a:avLst/>
+          </a:prstGeom>
+          <a:solidFill>
+            <a:schemeClr val="lt1"/>
+          </a:solidFill>
+        </p:spPr>
+        <p:style>
+          <a:lnRef idx="2">
+            <a:schemeClr val="accent1">
+              <a:shade val="20000"/>
+            </a:schemeClr>
+          </a:lnRef>
+          <a:fillRef idx="1">
+            <a:schemeClr val="accent1"/>
+          </a:fillRef>
+          <a:effectRef idx="0">
+            <a:schemeClr val="accent1"/>
+          </a:effectRef>
+          <a:fontRef idx="minor">
+            <a:schemeClr val="lt1"/>
+          </a:fontRef>
+        </p:style>
+        <p:txBody>
+          <a:bodyPr anchor="ctr"/>
+          <a:lstStyle/>
+          <a:p>
+            <a:pPr algn="ctr">
+              <a:defRPr/>
+            </a:pPr>
+            <a:endParaRPr lang="en-US" altLang="ko-KR"/>
+          </a:p>
+        </p:txBody>
+      </p:sp>
+      <p:sp>
+        <p:nvSpPr>
+          <p:cNvPr id="38" name="직사각형 37"/>
+          <p:cNvSpPr/>
+          <p:nvPr/>
+        </p:nvSpPr>
+        <p:spPr>
+          <a:xfrm>
+            <a:off x="3429562" y="2963054"/>
+            <a:ext cx="1881768" cy="1330015"/>
+          </a:xfrm>
+          <a:prstGeom prst="rect">
+            <a:avLst/>
+          </a:prstGeom>
+          <a:solidFill>
+            <a:schemeClr val="lt1"/>
+          </a:solidFill>
+        </p:spPr>
+        <p:style>
+          <a:lnRef idx="2">
+            <a:schemeClr val="accent1">
+              <a:shade val="20000"/>
+            </a:schemeClr>
+          </a:lnRef>
+          <a:fillRef idx="1">
+            <a:schemeClr val="accent1"/>
+          </a:fillRef>
+          <a:effectRef idx="0">
+            <a:schemeClr val="accent1"/>
+          </a:effectRef>
+          <a:fontRef idx="minor">
+            <a:schemeClr val="lt1"/>
+          </a:fontRef>
+        </p:style>
+        <p:txBody>
+          <a:bodyPr anchor="ctr"/>
+          <a:lstStyle/>
+          <a:p>
+            <a:pPr algn="ctr">
+              <a:defRPr/>
+            </a:pPr>
+            <a:endParaRPr lang="en-US" altLang="ko-KR"/>
+          </a:p>
+        </p:txBody>
+      </p:sp>
+      <p:sp>
+        <p:nvSpPr>
+          <p:cNvPr id="37" name="직사각형 36"/>
+          <p:cNvSpPr/>
+          <p:nvPr/>
+        </p:nvSpPr>
+        <p:spPr>
+          <a:xfrm>
+            <a:off x="492471" y="2968199"/>
+            <a:ext cx="2709921" cy="1335823"/>
+          </a:xfrm>
+          <a:prstGeom prst="rect">
+            <a:avLst/>
+          </a:prstGeom>
+          <a:solidFill>
+            <a:schemeClr val="lt1"/>
+          </a:solidFill>
+          <a:ln>
+            <a:solidFill>
+              <a:srgbClr val="000000"/>
+            </a:solidFill>
+          </a:ln>
+        </p:spPr>
+        <p:style>
+          <a:lnRef idx="2">
+            <a:schemeClr val="accent1">
+              <a:shade val="20000"/>
+            </a:schemeClr>
+          </a:lnRef>
+          <a:fillRef idx="1">
+            <a:schemeClr val="accent1"/>
+          </a:fillRef>
+          <a:effectRef idx="0">
+            <a:schemeClr val="accent1"/>
+          </a:effectRef>
+          <a:fontRef idx="minor">
+            <a:schemeClr val="lt1"/>
+          </a:fontRef>
+        </p:style>
+        <p:txBody>
+          <a:bodyPr anchor="ctr"/>
+          <a:lstStyle/>
+          <a:p>
+            <a:pPr algn="ctr">
+              <a:defRPr/>
+            </a:pPr>
+            <a:endParaRPr lang="en-US" altLang="ko-KR"/>
+          </a:p>
+        </p:txBody>
+      </p:sp>
+      <p:sp>
+        <p:nvSpPr>
+          <p:cNvPr id="36" name="순서도: 처리 35"/>
+          <p:cNvSpPr/>
+          <p:nvPr/>
+        </p:nvSpPr>
+        <p:spPr>
+          <a:xfrm>
+            <a:off x="2870443" y="1016703"/>
+            <a:ext cx="2739675" cy="1440888"/>
+          </a:xfrm>
+          <a:prstGeom prst="flowChartProcess">
+            <a:avLst/>
+          </a:prstGeom>
+          <a:solidFill>
+            <a:schemeClr val="lt1"/>
+          </a:solidFill>
+          <a:ln>
+            <a:solidFill>
+              <a:srgbClr val="000000"/>
+            </a:solidFill>
+          </a:ln>
+        </p:spPr>
+        <p:style>
+          <a:lnRef idx="2">
+            <a:schemeClr val="accent1">
+              <a:shade val="20000"/>
+            </a:schemeClr>
+          </a:lnRef>
+          <a:fillRef idx="1">
+            <a:schemeClr val="accent1"/>
+          </a:fillRef>
+          <a:effectRef idx="0">
+            <a:schemeClr val="accent1"/>
+          </a:effectRef>
+          <a:fontRef idx="minor">
+            <a:schemeClr val="lt1"/>
+          </a:fontRef>
+        </p:style>
+        <p:txBody>
+          <a:bodyPr anchor="ctr"/>
+          <a:lstStyle/>
+          <a:p>
+            <a:pPr algn="ctr">
+              <a:defRPr/>
+            </a:pPr>
+            <a:endParaRPr lang="en-US" altLang="ko-KR"/>
+          </a:p>
+        </p:txBody>
+      </p:sp>
+      <p:sp>
+        <p:nvSpPr>
+          <p:cNvPr id="35" name="순서도: 처리 34"/>
+          <p:cNvSpPr/>
+          <p:nvPr/>
+        </p:nvSpPr>
+        <p:spPr>
+          <a:xfrm>
+            <a:off x="491817" y="1020501"/>
+            <a:ext cx="2172165" cy="1441486"/>
+          </a:xfrm>
+          <a:prstGeom prst="flowChartProcess">
+            <a:avLst/>
+          </a:prstGeom>
+          <a:solidFill>
+            <a:schemeClr val="lt1"/>
+          </a:solidFill>
+          <a:ln>
+            <a:solidFill>
+              <a:srgbClr val="000000"/>
+            </a:solidFill>
+          </a:ln>
+        </p:spPr>
+        <p:style>
+          <a:lnRef idx="2">
+            <a:schemeClr val="accent1">
+              <a:shade val="20000"/>
+            </a:schemeClr>
+          </a:lnRef>
+          <a:fillRef idx="1">
+            <a:schemeClr val="accent1"/>
+          </a:fillRef>
+          <a:effectRef idx="0">
+            <a:schemeClr val="accent1"/>
+          </a:effectRef>
+          <a:fontRef idx="minor">
+            <a:schemeClr val="lt1"/>
+          </a:fontRef>
+        </p:style>
+        <p:txBody>
+          <a:bodyPr anchor="ctr"/>
+          <a:lstStyle/>
+          <a:p>
+            <a:pPr algn="ctr">
+              <a:defRPr/>
+            </a:pPr>
+            <a:endParaRPr lang="en-US" altLang="ko-KR"/>
+          </a:p>
+        </p:txBody>
+      </p:sp>
+      <p:sp>
+        <p:nvSpPr>
+          <p:cNvPr id="5" name="제목 1"/>
+          <p:cNvSpPr>
+            <a:spLocks noGrp="1"/>
+          </p:cNvSpPr>
+          <p:nvPr>
+            <p:ph type="title"/>
+          </p:nvPr>
+        </p:nvSpPr>
+        <p:spPr>
+          <a:xfrm>
+            <a:off x="3597698" y="116656"/>
+            <a:ext cx="4987962" cy="454105"/>
+          </a:xfrm>
+        </p:spPr>
+        <p:txBody>
+          <a:bodyPr vert="horz" lIns="91440" tIns="45720" rIns="91440" bIns="45720" anchor="ctr">
+            <a:noAutofit/>
+          </a:bodyPr>
+          <a:lstStyle/>
+          <a:p>
+            <a:pPr algn="ctr">
+              <a:defRPr/>
+            </a:pPr>
+            <a:r>
+              <a:rPr lang="ko-KR" altLang="en-US" sz="2800" b="1" dirty="0">
+                <a:solidFill>
+                  <a:schemeClr val="dk1"/>
+                </a:solidFill>
+                <a:latin typeface="KBIZ한마음고딕 R"/>
+                <a:ea typeface="KBIZ한마음고딕 R"/>
+              </a:rPr>
+              <a:t>개발 환경 </a:t>
+            </a:r>
+          </a:p>
+        </p:txBody>
+      </p:sp>
+      <p:pic>
+        <p:nvPicPr>
+          <p:cNvPr id="6" name="그림 5"/>
+          <p:cNvPicPr>
+            <a:picLocks noChangeAspect="1"/>
+          </p:cNvPicPr>
+          <p:nvPr/>
+        </p:nvPicPr>
+        <p:blipFill rotWithShape="1">
+          <a:blip r:embed="rId2"/>
+          <a:stretch>
+            <a:fillRect/>
+          </a:stretch>
+        </p:blipFill>
+        <p:spPr>
+          <a:xfrm>
+            <a:off x="1197055" y="1195782"/>
+            <a:ext cx="707759" cy="767270"/>
+          </a:xfrm>
+          <a:prstGeom prst="rect">
+            <a:avLst/>
+          </a:prstGeom>
+        </p:spPr>
+      </p:pic>
+      <p:sp>
+        <p:nvSpPr>
+          <p:cNvPr id="7" name="TextBox 6"/>
+          <p:cNvSpPr txBox="1"/>
+          <p:nvPr/>
+        </p:nvSpPr>
+        <p:spPr>
+          <a:xfrm>
+            <a:off x="690594" y="682241"/>
+            <a:ext cx="1742378" cy="338554"/>
+          </a:xfrm>
+          <a:prstGeom prst="rect">
+            <a:avLst/>
+          </a:prstGeom>
+        </p:spPr>
+        <p:txBody>
+          <a:bodyPr wrap="square">
+            <a:spAutoFit/>
+          </a:bodyPr>
+          <a:lstStyle/>
+          <a:p>
+            <a:pPr algn="ctr">
+              <a:defRPr/>
+            </a:pPr>
+            <a:r>
+              <a:rPr lang="en-US" altLang="ko-KR" sz="1600" dirty="0">
+                <a:solidFill>
+                  <a:schemeClr val="dk1"/>
+                </a:solidFill>
+              </a:rPr>
+              <a:t>Front-End</a:t>
+            </a:r>
+          </a:p>
+        </p:txBody>
+      </p:sp>
+      <p:pic>
+        <p:nvPicPr>
+          <p:cNvPr id="8" name="그림 7"/>
+          <p:cNvPicPr>
+            <a:picLocks noChangeAspect="1"/>
+          </p:cNvPicPr>
+          <p:nvPr/>
+        </p:nvPicPr>
+        <p:blipFill rotWithShape="1">
+          <a:blip r:embed="rId3"/>
+          <a:stretch>
+            <a:fillRect/>
+          </a:stretch>
+        </p:blipFill>
+        <p:spPr>
+          <a:xfrm>
+            <a:off x="605223" y="1220479"/>
+            <a:ext cx="540424" cy="717877"/>
+          </a:xfrm>
+          <a:prstGeom prst="rect">
+            <a:avLst/>
+          </a:prstGeom>
+        </p:spPr>
+      </p:pic>
+      <p:pic>
+        <p:nvPicPr>
+          <p:cNvPr id="10" name="그림 9"/>
+          <p:cNvPicPr>
+            <a:picLocks noChangeAspect="1"/>
+          </p:cNvPicPr>
+          <p:nvPr/>
+        </p:nvPicPr>
+        <p:blipFill rotWithShape="1">
+          <a:blip r:embed="rId4"/>
+          <a:stretch>
+            <a:fillRect/>
+          </a:stretch>
+        </p:blipFill>
+        <p:spPr>
+          <a:xfrm>
+            <a:off x="1091835" y="1953709"/>
+            <a:ext cx="1537342" cy="492925"/>
+          </a:xfrm>
+          <a:prstGeom prst="rect">
+            <a:avLst/>
+          </a:prstGeom>
+        </p:spPr>
+      </p:pic>
+      <p:sp>
+        <p:nvSpPr>
+          <p:cNvPr id="11" name="TextBox 10"/>
+          <p:cNvSpPr txBox="1"/>
+          <p:nvPr/>
+        </p:nvSpPr>
+        <p:spPr>
+          <a:xfrm>
+            <a:off x="1252408" y="2636296"/>
+            <a:ext cx="1045426" cy="338554"/>
+          </a:xfrm>
+          <a:prstGeom prst="rect">
+            <a:avLst/>
+          </a:prstGeom>
+        </p:spPr>
+        <p:txBody>
+          <a:bodyPr wrap="square">
+            <a:spAutoFit/>
+          </a:bodyPr>
+          <a:lstStyle/>
+          <a:p>
+            <a:pPr algn="ctr">
+              <a:defRPr/>
+            </a:pPr>
+            <a:r>
+              <a:rPr lang="en-US" altLang="ko-KR" sz="1600" dirty="0">
+                <a:solidFill>
+                  <a:schemeClr val="dk1"/>
+                </a:solidFill>
+              </a:rPr>
+              <a:t>IDE</a:t>
+            </a:r>
+          </a:p>
+        </p:txBody>
+      </p:sp>
+      <p:pic>
+        <p:nvPicPr>
+          <p:cNvPr id="12" name="그림 11"/>
+          <p:cNvPicPr>
+            <a:picLocks noChangeAspect="1"/>
+          </p:cNvPicPr>
+          <p:nvPr/>
+        </p:nvPicPr>
+        <p:blipFill rotWithShape="1">
+          <a:blip r:embed="rId5"/>
+          <a:stretch>
+            <a:fillRect/>
+          </a:stretch>
+        </p:blipFill>
+        <p:spPr>
+          <a:xfrm>
+            <a:off x="1697755" y="3441830"/>
+            <a:ext cx="1371549" cy="372465"/>
+          </a:xfrm>
+          <a:prstGeom prst="rect">
+            <a:avLst/>
+          </a:prstGeom>
+        </p:spPr>
+      </p:pic>
+      <p:sp>
+        <p:nvSpPr>
+          <p:cNvPr id="14" name="TextBox 13"/>
+          <p:cNvSpPr txBox="1"/>
+          <p:nvPr/>
+        </p:nvSpPr>
+        <p:spPr>
+          <a:xfrm>
+            <a:off x="5225694" y="4620042"/>
+            <a:ext cx="1661067" cy="338554"/>
+          </a:xfrm>
+          <a:prstGeom prst="rect">
+            <a:avLst/>
+          </a:prstGeom>
+        </p:spPr>
+        <p:txBody>
+          <a:bodyPr wrap="square">
+            <a:spAutoFit/>
+          </a:bodyPr>
+          <a:lstStyle/>
+          <a:p>
+            <a:pPr algn="ctr">
+              <a:defRPr/>
+            </a:pPr>
+            <a:r>
+              <a:rPr lang="en-US" altLang="ko-KR" sz="1600" dirty="0"/>
+              <a:t>Language</a:t>
+            </a:r>
+          </a:p>
+        </p:txBody>
+      </p:sp>
+      <p:pic>
+        <p:nvPicPr>
+          <p:cNvPr id="15" name="그림 14"/>
+          <p:cNvPicPr>
+            <a:picLocks noChangeAspect="1"/>
+          </p:cNvPicPr>
+          <p:nvPr/>
+        </p:nvPicPr>
+        <p:blipFill rotWithShape="1">
+          <a:blip r:embed="rId6"/>
+          <a:stretch>
+            <a:fillRect/>
+          </a:stretch>
+        </p:blipFill>
+        <p:spPr>
+          <a:xfrm>
+            <a:off x="5673914" y="5015990"/>
+            <a:ext cx="796153" cy="1073600"/>
+          </a:xfrm>
+          <a:prstGeom prst="rect">
+            <a:avLst/>
+          </a:prstGeom>
+        </p:spPr>
+      </p:pic>
+      <p:sp>
+        <p:nvSpPr>
+          <p:cNvPr id="19" name="TextBox 18"/>
+          <p:cNvSpPr txBox="1"/>
+          <p:nvPr/>
+        </p:nvSpPr>
+        <p:spPr>
+          <a:xfrm>
+            <a:off x="354375" y="4574675"/>
+            <a:ext cx="1893384" cy="338554"/>
+          </a:xfrm>
+          <a:prstGeom prst="rect">
+            <a:avLst/>
+          </a:prstGeom>
+        </p:spPr>
+        <p:txBody>
+          <a:bodyPr wrap="square">
+            <a:spAutoFit/>
+          </a:bodyPr>
+          <a:lstStyle/>
+          <a:p>
+            <a:pPr algn="ctr">
+              <a:defRPr/>
+            </a:pPr>
+            <a:r>
+              <a:rPr lang="en-US" altLang="ko-KR" sz="1600" dirty="0"/>
+              <a:t>RPA</a:t>
+            </a:r>
+          </a:p>
+        </p:txBody>
+      </p:sp>
+      <p:pic>
+        <p:nvPicPr>
+          <p:cNvPr id="20" name="그림 19"/>
+          <p:cNvPicPr>
+            <a:picLocks noChangeAspect="1"/>
+          </p:cNvPicPr>
+          <p:nvPr/>
+        </p:nvPicPr>
+        <p:blipFill rotWithShape="1">
+          <a:blip r:embed="rId7"/>
+          <a:stretch>
+            <a:fillRect/>
+          </a:stretch>
+        </p:blipFill>
+        <p:spPr>
+          <a:xfrm>
+            <a:off x="661573" y="5284030"/>
+            <a:ext cx="1278988" cy="586933"/>
+          </a:xfrm>
+          <a:prstGeom prst="rect">
+            <a:avLst/>
+          </a:prstGeom>
+        </p:spPr>
+      </p:pic>
+      <p:sp>
+        <p:nvSpPr>
+          <p:cNvPr id="21" name="TextBox 20"/>
+          <p:cNvSpPr txBox="1"/>
+          <p:nvPr/>
+        </p:nvSpPr>
+        <p:spPr>
+          <a:xfrm>
+            <a:off x="3117647" y="4594760"/>
+            <a:ext cx="1219664" cy="338554"/>
+          </a:xfrm>
+          <a:prstGeom prst="rect">
+            <a:avLst/>
+          </a:prstGeom>
+        </p:spPr>
+        <p:txBody>
+          <a:bodyPr wrap="square">
+            <a:spAutoFit/>
+          </a:bodyPr>
+          <a:lstStyle/>
+          <a:p>
+            <a:pPr algn="ctr">
+              <a:defRPr/>
+            </a:pPr>
+            <a:r>
+              <a:rPr lang="en-US" altLang="ko-KR" sz="1600" dirty="0"/>
+              <a:t>DB</a:t>
+            </a:r>
+          </a:p>
+        </p:txBody>
+      </p:sp>
+      <p:pic>
+        <p:nvPicPr>
+          <p:cNvPr id="22" name="그림 21"/>
+          <p:cNvPicPr>
+            <a:picLocks noChangeAspect="1"/>
+          </p:cNvPicPr>
+          <p:nvPr/>
+        </p:nvPicPr>
+        <p:blipFill rotWithShape="1">
+          <a:blip r:embed="rId8"/>
+          <a:stretch>
+            <a:fillRect/>
+          </a:stretch>
+        </p:blipFill>
+        <p:spPr>
+          <a:xfrm>
+            <a:off x="2466523" y="5331187"/>
+            <a:ext cx="1116922" cy="536003"/>
+          </a:xfrm>
+          <a:prstGeom prst="rect">
+            <a:avLst/>
+          </a:prstGeom>
+        </p:spPr>
+      </p:pic>
+      <p:sp>
+        <p:nvSpPr>
+          <p:cNvPr id="23" name="TextBox 22"/>
+          <p:cNvSpPr txBox="1"/>
+          <p:nvPr/>
+        </p:nvSpPr>
+        <p:spPr>
+          <a:xfrm>
+            <a:off x="3688895" y="687913"/>
+            <a:ext cx="1010579" cy="338554"/>
+          </a:xfrm>
+          <a:prstGeom prst="rect">
+            <a:avLst/>
+          </a:prstGeom>
+        </p:spPr>
+        <p:txBody>
+          <a:bodyPr wrap="square">
+            <a:spAutoFit/>
+          </a:bodyPr>
+          <a:lstStyle/>
+          <a:p>
+            <a:pPr algn="ctr">
+              <a:defRPr/>
+            </a:pPr>
+            <a:r>
+              <a:rPr lang="en-US" altLang="ko-KR" sz="1600" dirty="0"/>
+              <a:t>CI/CD</a:t>
+            </a:r>
+            <a:endParaRPr lang="en-US" altLang="ko-KR" sz="1600" dirty="0">
+              <a:solidFill>
+                <a:schemeClr val="dk1"/>
+              </a:solidFill>
+            </a:endParaRPr>
+          </a:p>
+        </p:txBody>
+      </p:sp>
+      <p:pic>
+        <p:nvPicPr>
+          <p:cNvPr id="24" name="그림 23"/>
+          <p:cNvPicPr>
+            <a:picLocks noChangeAspect="1"/>
+          </p:cNvPicPr>
+          <p:nvPr/>
+        </p:nvPicPr>
+        <p:blipFill rotWithShape="1">
+          <a:blip r:embed="rId9"/>
+          <a:stretch>
+            <a:fillRect/>
+          </a:stretch>
+        </p:blipFill>
+        <p:spPr>
+          <a:xfrm>
+            <a:off x="2961338" y="1868188"/>
+            <a:ext cx="1455942" cy="396635"/>
+          </a:xfrm>
+          <a:prstGeom prst="rect">
+            <a:avLst/>
+          </a:prstGeom>
+        </p:spPr>
+      </p:pic>
+      <p:pic>
+        <p:nvPicPr>
+          <p:cNvPr id="25" name="그림 24"/>
+          <p:cNvPicPr>
+            <a:picLocks noChangeAspect="1"/>
+          </p:cNvPicPr>
+          <p:nvPr/>
+        </p:nvPicPr>
+        <p:blipFill rotWithShape="1">
+          <a:blip r:embed="rId10"/>
+          <a:stretch>
+            <a:fillRect/>
+          </a:stretch>
+        </p:blipFill>
+        <p:spPr>
+          <a:xfrm>
+            <a:off x="2966313" y="1254298"/>
+            <a:ext cx="1167333" cy="447968"/>
+          </a:xfrm>
+          <a:prstGeom prst="rect">
+            <a:avLst/>
+          </a:prstGeom>
+        </p:spPr>
+      </p:pic>
+      <p:sp>
+        <p:nvSpPr>
+          <p:cNvPr id="26" name="TextBox 25"/>
+          <p:cNvSpPr txBox="1"/>
+          <p:nvPr/>
+        </p:nvSpPr>
+        <p:spPr>
+          <a:xfrm>
+            <a:off x="7654038" y="2623232"/>
+            <a:ext cx="2613221" cy="338554"/>
+          </a:xfrm>
+          <a:prstGeom prst="rect">
+            <a:avLst/>
+          </a:prstGeom>
+        </p:spPr>
+        <p:txBody>
+          <a:bodyPr wrap="square">
+            <a:spAutoFit/>
+          </a:bodyPr>
+          <a:lstStyle/>
+          <a:p>
+            <a:pPr algn="ctr">
+              <a:defRPr/>
+            </a:pPr>
+            <a:r>
+              <a:rPr lang="en-US" altLang="ko-KR" sz="1600" dirty="0"/>
+              <a:t>virtualization software</a:t>
+            </a:r>
+          </a:p>
+        </p:txBody>
+      </p:sp>
+      <p:sp>
+        <p:nvSpPr>
+          <p:cNvPr id="30" name="TextBox 29"/>
+          <p:cNvSpPr txBox="1"/>
+          <p:nvPr/>
+        </p:nvSpPr>
+        <p:spPr>
+          <a:xfrm>
+            <a:off x="4574323" y="2482307"/>
+            <a:ext cx="1115122" cy="363763"/>
+          </a:xfrm>
+          <a:prstGeom prst="rect">
+            <a:avLst/>
+          </a:prstGeom>
+        </p:spPr>
+        <p:txBody>
+          <a:bodyPr wrap="square">
+            <a:spAutoFit/>
+          </a:bodyPr>
+          <a:lstStyle/>
+          <a:p>
+            <a:pPr>
+              <a:defRPr/>
+            </a:pPr>
+            <a:endParaRPr lang="en-US" altLang="ko-KR"/>
+          </a:p>
+        </p:txBody>
+      </p:sp>
+      <p:sp>
+        <p:nvSpPr>
+          <p:cNvPr id="31" name="TextBox 30"/>
+          <p:cNvSpPr txBox="1"/>
+          <p:nvPr/>
+        </p:nvSpPr>
+        <p:spPr>
+          <a:xfrm>
+            <a:off x="3859719" y="2623232"/>
+            <a:ext cx="1115122" cy="338554"/>
+          </a:xfrm>
+          <a:prstGeom prst="rect">
+            <a:avLst/>
+          </a:prstGeom>
+        </p:spPr>
+        <p:txBody>
+          <a:bodyPr wrap="square">
+            <a:spAutoFit/>
+          </a:bodyPr>
+          <a:lstStyle/>
+          <a:p>
+            <a:pPr algn="ctr">
+              <a:defRPr/>
+            </a:pPr>
+            <a:r>
+              <a:rPr lang="en-US" altLang="ko-KR" sz="1600" dirty="0"/>
+              <a:t>WAS</a:t>
+            </a:r>
+          </a:p>
+        </p:txBody>
+      </p:sp>
+      <p:sp>
+        <p:nvSpPr>
+          <p:cNvPr id="33" name="TextBox 32"/>
+          <p:cNvSpPr txBox="1"/>
+          <p:nvPr/>
+        </p:nvSpPr>
+        <p:spPr>
+          <a:xfrm>
+            <a:off x="9935250" y="4582712"/>
+            <a:ext cx="592408" cy="338554"/>
+          </a:xfrm>
+          <a:prstGeom prst="rect">
+            <a:avLst/>
+          </a:prstGeom>
+        </p:spPr>
+        <p:txBody>
+          <a:bodyPr wrap="square">
+            <a:spAutoFit/>
+          </a:bodyPr>
+          <a:lstStyle/>
+          <a:p>
+            <a:pPr algn="ctr">
+              <a:defRPr/>
+            </a:pPr>
+            <a:r>
+              <a:rPr lang="en-US" altLang="ko-KR" sz="1600" dirty="0"/>
+              <a:t>OS</a:t>
+            </a:r>
+          </a:p>
+        </p:txBody>
+      </p:sp>
+      <p:pic>
+        <p:nvPicPr>
+          <p:cNvPr id="44" name="그림 43"/>
+          <p:cNvPicPr>
+            <a:picLocks noChangeAspect="1"/>
+          </p:cNvPicPr>
+          <p:nvPr/>
+        </p:nvPicPr>
+        <p:blipFill>
+          <a:blip r:embed="rId11" cstate="print">
+            <a:extLst>
+              <a:ext uri="{28A0092B-C50C-407E-A947-70E740481C1C}">
+                <a14:useLocalDpi xmlns:a14="http://schemas.microsoft.com/office/drawing/2010/main" val="0"/>
+              </a:ext>
+            </a:extLst>
+          </a:blip>
+          <a:stretch>
+            <a:fillRect/>
+          </a:stretch>
+        </p:blipFill>
+        <p:spPr>
+          <a:xfrm>
+            <a:off x="9031602" y="5344080"/>
+            <a:ext cx="1480600" cy="319338"/>
+          </a:xfrm>
+          <a:prstGeom prst="rect">
+            <a:avLst/>
+          </a:prstGeom>
+        </p:spPr>
+      </p:pic>
+      <p:pic>
+        <p:nvPicPr>
+          <p:cNvPr id="45" name="그림 44"/>
+          <p:cNvPicPr>
+            <a:picLocks noChangeAspect="1"/>
+          </p:cNvPicPr>
+          <p:nvPr/>
+        </p:nvPicPr>
+        <p:blipFill>
+          <a:blip r:embed="rId12" cstate="print">
+            <a:extLst>
+              <a:ext uri="{28A0092B-C50C-407E-A947-70E740481C1C}">
+                <a14:useLocalDpi xmlns:a14="http://schemas.microsoft.com/office/drawing/2010/main" val="0"/>
+              </a:ext>
+            </a:extLst>
+          </a:blip>
+          <a:stretch>
+            <a:fillRect/>
+          </a:stretch>
+        </p:blipFill>
+        <p:spPr>
+          <a:xfrm>
+            <a:off x="8497582" y="3262772"/>
+            <a:ext cx="1196489" cy="804764"/>
+          </a:xfrm>
+          <a:prstGeom prst="rect">
+            <a:avLst/>
+          </a:prstGeom>
+        </p:spPr>
+      </p:pic>
+      <p:pic>
+        <p:nvPicPr>
+          <p:cNvPr id="46" name="그림 45"/>
+          <p:cNvPicPr>
+            <a:picLocks noChangeAspect="1"/>
+          </p:cNvPicPr>
+          <p:nvPr/>
+        </p:nvPicPr>
+        <p:blipFill>
+          <a:blip r:embed="rId13" cstate="print">
+            <a:extLst>
+              <a:ext uri="{28A0092B-C50C-407E-A947-70E740481C1C}">
+                <a14:useLocalDpi xmlns:a14="http://schemas.microsoft.com/office/drawing/2010/main" val="0"/>
+              </a:ext>
+            </a:extLst>
+          </a:blip>
+          <a:stretch>
+            <a:fillRect/>
+          </a:stretch>
+        </p:blipFill>
+        <p:spPr>
+          <a:xfrm>
+            <a:off x="10620719" y="5183288"/>
+            <a:ext cx="890369" cy="739006"/>
+          </a:xfrm>
+          <a:prstGeom prst="rect">
+            <a:avLst/>
+          </a:prstGeom>
+        </p:spPr>
+      </p:pic>
+      <p:sp>
+        <p:nvSpPr>
+          <p:cNvPr id="47" name="TextBox 46"/>
+          <p:cNvSpPr txBox="1"/>
+          <p:nvPr/>
+        </p:nvSpPr>
+        <p:spPr>
+          <a:xfrm>
+            <a:off x="5689445" y="678187"/>
+            <a:ext cx="1597178" cy="338554"/>
+          </a:xfrm>
+          <a:prstGeom prst="rect">
+            <a:avLst/>
+          </a:prstGeom>
+        </p:spPr>
+        <p:txBody>
+          <a:bodyPr wrap="square">
+            <a:spAutoFit/>
+          </a:bodyPr>
+          <a:lstStyle/>
+          <a:p>
+            <a:pPr algn="ctr">
+              <a:defRPr/>
+            </a:pPr>
+            <a:r>
+              <a:rPr lang="en-US" altLang="ko-KR" sz="1600" dirty="0"/>
+              <a:t>SSH Client</a:t>
+            </a:r>
+            <a:endParaRPr lang="en-US" altLang="ko-KR" sz="1600" dirty="0">
+              <a:solidFill>
+                <a:schemeClr val="dk1"/>
+              </a:solidFill>
+            </a:endParaRPr>
+          </a:p>
+        </p:txBody>
+      </p:sp>
+      <p:sp>
+        <p:nvSpPr>
+          <p:cNvPr id="48" name="순서도: 처리 47"/>
+          <p:cNvSpPr/>
+          <p:nvPr/>
+        </p:nvSpPr>
+        <p:spPr>
+          <a:xfrm>
+            <a:off x="5828490" y="1022117"/>
+            <a:ext cx="1375634" cy="1447409"/>
+          </a:xfrm>
+          <a:prstGeom prst="flowChartProcess">
+            <a:avLst/>
+          </a:prstGeom>
+          <a:solidFill>
+            <a:schemeClr val="lt1"/>
+          </a:solidFill>
+          <a:ln>
+            <a:solidFill>
+              <a:srgbClr val="000000"/>
+            </a:solidFill>
+          </a:ln>
+        </p:spPr>
+        <p:style>
+          <a:lnRef idx="2">
+            <a:schemeClr val="accent1">
+              <a:shade val="20000"/>
+            </a:schemeClr>
+          </a:lnRef>
+          <a:fillRef idx="1">
+            <a:schemeClr val="accent1"/>
+          </a:fillRef>
+          <a:effectRef idx="0">
+            <a:schemeClr val="accent1"/>
+          </a:effectRef>
+          <a:fontRef idx="minor">
+            <a:schemeClr val="lt1"/>
+          </a:fontRef>
+        </p:style>
+        <p:txBody>
+          <a:bodyPr anchor="ctr"/>
+          <a:lstStyle/>
+          <a:p>
+            <a:pPr algn="ctr">
+              <a:defRPr/>
+            </a:pPr>
+            <a:endParaRPr lang="en-US" altLang="ko-KR"/>
+          </a:p>
+        </p:txBody>
+      </p:sp>
+      <p:pic>
+        <p:nvPicPr>
+          <p:cNvPr id="49" name="그림 48"/>
+          <p:cNvPicPr>
+            <a:picLocks noChangeAspect="1"/>
+          </p:cNvPicPr>
+          <p:nvPr/>
+        </p:nvPicPr>
+        <p:blipFill>
+          <a:blip r:embed="rId14"/>
+          <a:stretch>
+            <a:fillRect/>
+          </a:stretch>
+        </p:blipFill>
+        <p:spPr>
+          <a:xfrm>
+            <a:off x="6047589" y="1408029"/>
+            <a:ext cx="946660" cy="536626"/>
+          </a:xfrm>
+          <a:prstGeom prst="rect">
+            <a:avLst/>
+          </a:prstGeom>
+        </p:spPr>
+      </p:pic>
+      <p:pic>
+        <p:nvPicPr>
+          <p:cNvPr id="50" name="그림 49"/>
+          <p:cNvPicPr>
+            <a:picLocks noChangeAspect="1"/>
+          </p:cNvPicPr>
+          <p:nvPr/>
+        </p:nvPicPr>
+        <p:blipFill>
+          <a:blip r:embed="rId15" cstate="print">
+            <a:extLst>
+              <a:ext uri="{28A0092B-C50C-407E-A947-70E740481C1C}">
+                <a14:useLocalDpi xmlns:a14="http://schemas.microsoft.com/office/drawing/2010/main" val="0"/>
+              </a:ext>
+            </a:extLst>
+          </a:blip>
+          <a:stretch>
+            <a:fillRect/>
+          </a:stretch>
+        </p:blipFill>
+        <p:spPr>
+          <a:xfrm>
+            <a:off x="1873200" y="1234248"/>
+            <a:ext cx="699763" cy="690338"/>
+          </a:xfrm>
+          <a:prstGeom prst="rect">
+            <a:avLst/>
+          </a:prstGeom>
+        </p:spPr>
+      </p:pic>
+      <p:pic>
+        <p:nvPicPr>
+          <p:cNvPr id="51" name="그림 50"/>
+          <p:cNvPicPr>
+            <a:picLocks noChangeAspect="1"/>
+          </p:cNvPicPr>
+          <p:nvPr/>
+        </p:nvPicPr>
+        <p:blipFill>
+          <a:blip r:embed="rId16">
+            <a:extLst>
+              <a:ext uri="{28A0092B-C50C-407E-A947-70E740481C1C}">
+                <a14:useLocalDpi xmlns:a14="http://schemas.microsoft.com/office/drawing/2010/main" val="0"/>
+              </a:ext>
+            </a:extLst>
+          </a:blip>
+          <a:stretch>
+            <a:fillRect/>
+          </a:stretch>
+        </p:blipFill>
+        <p:spPr>
+          <a:xfrm>
+            <a:off x="3812833" y="3213630"/>
+            <a:ext cx="1101999" cy="785922"/>
+          </a:xfrm>
+          <a:prstGeom prst="rect">
+            <a:avLst/>
+          </a:prstGeom>
+        </p:spPr>
+      </p:pic>
+      <p:sp>
+        <p:nvSpPr>
+          <p:cNvPr id="2" name="직사각형 1"/>
+          <p:cNvSpPr/>
+          <p:nvPr/>
+        </p:nvSpPr>
+        <p:spPr>
+          <a:xfrm>
+            <a:off x="6162609" y="2639656"/>
+            <a:ext cx="1208408" cy="338554"/>
+          </a:xfrm>
+          <a:prstGeom prst="rect">
+            <a:avLst/>
+          </a:prstGeom>
+        </p:spPr>
+        <p:txBody>
+          <a:bodyPr wrap="none">
+            <a:spAutoFit/>
+          </a:bodyPr>
+          <a:lstStyle/>
+          <a:p>
+            <a:r>
+              <a:rPr lang="en-US" altLang="ko-KR" sz="1600" dirty="0"/>
+              <a:t>Framework</a:t>
+            </a:r>
+            <a:endParaRPr lang="ko-KR" altLang="en-US" sz="1600" dirty="0"/>
+          </a:p>
+        </p:txBody>
+      </p:sp>
+      <p:sp>
+        <p:nvSpPr>
+          <p:cNvPr id="52" name="직사각형 51"/>
+          <p:cNvSpPr/>
+          <p:nvPr/>
+        </p:nvSpPr>
+        <p:spPr>
+          <a:xfrm>
+            <a:off x="5503528" y="2971102"/>
+            <a:ext cx="2473979" cy="1330015"/>
+          </a:xfrm>
+          <a:prstGeom prst="rect">
+            <a:avLst/>
+          </a:prstGeom>
+          <a:solidFill>
+            <a:schemeClr val="lt1"/>
+          </a:solidFill>
+        </p:spPr>
+        <p:style>
+          <a:lnRef idx="2">
+            <a:schemeClr val="accent1">
+              <a:shade val="20000"/>
+            </a:schemeClr>
+          </a:lnRef>
+          <a:fillRef idx="1">
+            <a:schemeClr val="accent1"/>
+          </a:fillRef>
+          <a:effectRef idx="0">
+            <a:schemeClr val="accent1"/>
+          </a:effectRef>
+          <a:fontRef idx="minor">
+            <a:schemeClr val="lt1"/>
+          </a:fontRef>
+        </p:style>
+        <p:txBody>
+          <a:bodyPr anchor="ctr"/>
+          <a:lstStyle/>
+          <a:p>
+            <a:pPr algn="ctr">
+              <a:defRPr/>
+            </a:pPr>
+            <a:endParaRPr lang="en-US" altLang="ko-KR"/>
+          </a:p>
+        </p:txBody>
+      </p:sp>
+      <p:pic>
+        <p:nvPicPr>
+          <p:cNvPr id="53" name="그림 52"/>
+          <p:cNvPicPr>
+            <a:picLocks noChangeAspect="1"/>
+          </p:cNvPicPr>
+          <p:nvPr/>
+        </p:nvPicPr>
+        <p:blipFill>
+          <a:blip r:embed="rId17" cstate="print">
+            <a:extLst>
+              <a:ext uri="{28A0092B-C50C-407E-A947-70E740481C1C}">
+                <a14:useLocalDpi xmlns:a14="http://schemas.microsoft.com/office/drawing/2010/main" val="0"/>
+              </a:ext>
+            </a:extLst>
+          </a:blip>
+          <a:stretch>
+            <a:fillRect/>
+          </a:stretch>
+        </p:blipFill>
+        <p:spPr>
+          <a:xfrm>
+            <a:off x="5601174" y="3146518"/>
+            <a:ext cx="976978" cy="846714"/>
+          </a:xfrm>
+          <a:prstGeom prst="rect">
+            <a:avLst/>
+          </a:prstGeom>
+        </p:spPr>
+      </p:pic>
+      <p:pic>
+        <p:nvPicPr>
+          <p:cNvPr id="54" name="Picture 2" descr="안드로이드 &amp; 아이폰개발 - 모든에듀"/>
+          <p:cNvPicPr>
+            <a:picLocks noChangeAspect="1" noChangeArrowheads="1"/>
+          </p:cNvPicPr>
+          <p:nvPr/>
+        </p:nvPicPr>
+        <p:blipFill>
+          <a:blip r:embed="rId18" cstate="print">
+            <a:extLst>
+              <a:ext uri="{28A0092B-C50C-407E-A947-70E740481C1C}">
+                <a14:useLocalDpi xmlns:a14="http://schemas.microsoft.com/office/drawing/2010/main" val="0"/>
+              </a:ext>
+            </a:extLst>
+          </a:blip>
+          <a:srcRect/>
+          <a:stretch>
+            <a:fillRect/>
+          </a:stretch>
+        </p:blipFill>
+        <p:spPr bwMode="auto">
+          <a:xfrm>
+            <a:off x="544091" y="3274381"/>
+            <a:ext cx="967606" cy="660564"/>
+          </a:xfrm>
+          <a:prstGeom prst="rect">
+            <a:avLst/>
+          </a:prstGeom>
+          <a:noFill/>
+          <a:extLst>
+            <a:ext uri="{909E8E84-426E-40DD-AFC4-6F175D3DCCD1}">
+              <a14:hiddenFill xmlns:a14="http://schemas.microsoft.com/office/drawing/2010/main">
+                <a:solidFill>
+                  <a:srgbClr val="FFFFFF"/>
+                </a:solidFill>
+              </a14:hiddenFill>
+            </a:ext>
+          </a:extLst>
+        </p:spPr>
+      </p:pic>
+      <p:pic>
+        <p:nvPicPr>
+          <p:cNvPr id="55" name="그림 54"/>
+          <p:cNvPicPr>
+            <a:picLocks noChangeAspect="1"/>
+          </p:cNvPicPr>
+          <p:nvPr/>
+        </p:nvPicPr>
+        <p:blipFill rotWithShape="1">
+          <a:blip r:embed="rId19" cstate="print">
+            <a:extLst>
+              <a:ext uri="{28A0092B-C50C-407E-A947-70E740481C1C}">
+                <a14:useLocalDpi xmlns:a14="http://schemas.microsoft.com/office/drawing/2010/main" val="0"/>
+              </a:ext>
+            </a:extLst>
+          </a:blip>
+          <a:srcRect l="8328" t="29057" r="10729" b="33584"/>
+          <a:stretch/>
+        </p:blipFill>
+        <p:spPr>
+          <a:xfrm>
+            <a:off x="4212539" y="1217016"/>
+            <a:ext cx="1305657" cy="451958"/>
+          </a:xfrm>
+          <a:prstGeom prst="rect">
+            <a:avLst/>
+          </a:prstGeom>
+        </p:spPr>
+      </p:pic>
+      <p:pic>
+        <p:nvPicPr>
+          <p:cNvPr id="56" name="그림 55"/>
+          <p:cNvPicPr>
+            <a:picLocks noChangeAspect="1"/>
+          </p:cNvPicPr>
+          <p:nvPr/>
+        </p:nvPicPr>
+        <p:blipFill>
+          <a:blip r:embed="rId20" cstate="print">
+            <a:extLst>
+              <a:ext uri="{28A0092B-C50C-407E-A947-70E740481C1C}">
+                <a14:useLocalDpi xmlns:a14="http://schemas.microsoft.com/office/drawing/2010/main" val="0"/>
+              </a:ext>
+            </a:extLst>
+          </a:blip>
+          <a:stretch>
+            <a:fillRect/>
+          </a:stretch>
+        </p:blipFill>
+        <p:spPr>
+          <a:xfrm>
+            <a:off x="3684437" y="5344080"/>
+            <a:ext cx="1423252" cy="582239"/>
+          </a:xfrm>
+          <a:prstGeom prst="rect">
+            <a:avLst/>
+          </a:prstGeom>
+        </p:spPr>
+      </p:pic>
+      <p:sp>
+        <p:nvSpPr>
+          <p:cNvPr id="58" name="TextBox 57"/>
+          <p:cNvSpPr txBox="1"/>
+          <p:nvPr/>
+        </p:nvSpPr>
+        <p:spPr>
+          <a:xfrm>
+            <a:off x="7073468" y="682980"/>
+            <a:ext cx="2108990" cy="338554"/>
+          </a:xfrm>
+          <a:prstGeom prst="rect">
+            <a:avLst/>
+          </a:prstGeom>
+        </p:spPr>
+        <p:txBody>
+          <a:bodyPr wrap="square">
+            <a:spAutoFit/>
+          </a:bodyPr>
+          <a:lstStyle/>
+          <a:p>
+            <a:pPr algn="ctr">
+              <a:defRPr/>
+            </a:pPr>
+            <a:r>
+              <a:rPr lang="en-US" altLang="ko-KR" sz="1600" dirty="0" smtClean="0"/>
+              <a:t>Payment </a:t>
+            </a:r>
+            <a:r>
+              <a:rPr lang="en-US" altLang="ko-KR" sz="1600" dirty="0"/>
+              <a:t>Services</a:t>
+            </a:r>
+            <a:endParaRPr lang="en-US" altLang="ko-KR" sz="1600" dirty="0">
+              <a:solidFill>
+                <a:schemeClr val="dk1"/>
+              </a:solidFill>
+            </a:endParaRPr>
+          </a:p>
+        </p:txBody>
+      </p:sp>
+      <p:sp>
+        <p:nvSpPr>
+          <p:cNvPr id="59" name="순서도: 처리 58"/>
+          <p:cNvSpPr/>
+          <p:nvPr/>
+        </p:nvSpPr>
+        <p:spPr>
+          <a:xfrm>
+            <a:off x="7440146" y="1018429"/>
+            <a:ext cx="1375634" cy="1447409"/>
+          </a:xfrm>
+          <a:prstGeom prst="flowChartProcess">
+            <a:avLst/>
+          </a:prstGeom>
+          <a:solidFill>
+            <a:schemeClr val="lt1"/>
+          </a:solidFill>
+          <a:ln>
+            <a:solidFill>
+              <a:srgbClr val="000000"/>
+            </a:solidFill>
+          </a:ln>
+        </p:spPr>
+        <p:style>
+          <a:lnRef idx="2">
+            <a:schemeClr val="accent1">
+              <a:shade val="20000"/>
+            </a:schemeClr>
+          </a:lnRef>
+          <a:fillRef idx="1">
+            <a:schemeClr val="accent1"/>
+          </a:fillRef>
+          <a:effectRef idx="0">
+            <a:schemeClr val="accent1"/>
+          </a:effectRef>
+          <a:fontRef idx="minor">
+            <a:schemeClr val="lt1"/>
+          </a:fontRef>
+        </p:style>
+        <p:txBody>
+          <a:bodyPr anchor="ctr"/>
+          <a:lstStyle/>
+          <a:p>
+            <a:pPr algn="ctr">
+              <a:defRPr/>
+            </a:pPr>
+            <a:endParaRPr lang="en-US" altLang="ko-KR"/>
+          </a:p>
+        </p:txBody>
+      </p:sp>
+      <p:pic>
+        <p:nvPicPr>
+          <p:cNvPr id="60" name="그림 59"/>
+          <p:cNvPicPr>
+            <a:picLocks noChangeAspect="1"/>
+          </p:cNvPicPr>
+          <p:nvPr/>
+        </p:nvPicPr>
+        <p:blipFill>
+          <a:blip r:embed="rId21" cstate="print">
+            <a:extLst>
+              <a:ext uri="{28A0092B-C50C-407E-A947-70E740481C1C}">
+                <a14:useLocalDpi xmlns:a14="http://schemas.microsoft.com/office/drawing/2010/main" val="0"/>
+              </a:ext>
+            </a:extLst>
+          </a:blip>
+          <a:stretch>
+            <a:fillRect/>
+          </a:stretch>
+        </p:blipFill>
+        <p:spPr>
+          <a:xfrm>
+            <a:off x="7564937" y="1310295"/>
+            <a:ext cx="1179871" cy="936104"/>
+          </a:xfrm>
+          <a:prstGeom prst="rect">
+            <a:avLst/>
+          </a:prstGeom>
+        </p:spPr>
+      </p:pic>
+      <p:sp>
+        <p:nvSpPr>
+          <p:cNvPr id="62" name="순서도: 처리 61"/>
+          <p:cNvSpPr/>
+          <p:nvPr/>
+        </p:nvSpPr>
+        <p:spPr>
+          <a:xfrm>
+            <a:off x="9105622" y="1027166"/>
+            <a:ext cx="2546218" cy="1447409"/>
+          </a:xfrm>
+          <a:prstGeom prst="flowChartProcess">
+            <a:avLst/>
+          </a:prstGeom>
+          <a:solidFill>
+            <a:schemeClr val="lt1"/>
+          </a:solidFill>
+          <a:ln>
+            <a:solidFill>
+              <a:srgbClr val="000000"/>
+            </a:solidFill>
+          </a:ln>
+        </p:spPr>
+        <p:style>
+          <a:lnRef idx="2">
+            <a:schemeClr val="accent1">
+              <a:shade val="20000"/>
+            </a:schemeClr>
+          </a:lnRef>
+          <a:fillRef idx="1">
+            <a:schemeClr val="accent1"/>
+          </a:fillRef>
+          <a:effectRef idx="0">
+            <a:schemeClr val="accent1"/>
+          </a:effectRef>
+          <a:fontRef idx="minor">
+            <a:schemeClr val="lt1"/>
+          </a:fontRef>
+        </p:style>
+        <p:txBody>
+          <a:bodyPr anchor="ctr"/>
+          <a:lstStyle/>
+          <a:p>
+            <a:pPr algn="ctr">
+              <a:defRPr/>
+            </a:pPr>
+            <a:endParaRPr lang="en-US" altLang="ko-KR"/>
+          </a:p>
+        </p:txBody>
+      </p:sp>
+      <p:sp>
+        <p:nvSpPr>
+          <p:cNvPr id="65" name="TextBox 64"/>
+          <p:cNvSpPr txBox="1"/>
+          <p:nvPr/>
+        </p:nvSpPr>
+        <p:spPr>
+          <a:xfrm>
+            <a:off x="9079267" y="677307"/>
+            <a:ext cx="2546581" cy="338554"/>
+          </a:xfrm>
+          <a:prstGeom prst="rect">
+            <a:avLst/>
+          </a:prstGeom>
+        </p:spPr>
+        <p:txBody>
+          <a:bodyPr wrap="square">
+            <a:spAutoFit/>
+          </a:bodyPr>
+          <a:lstStyle/>
+          <a:p>
+            <a:pPr algn="ctr">
+              <a:defRPr/>
+            </a:pPr>
+            <a:r>
+              <a:rPr lang="en-US" altLang="ko-KR" sz="1600" dirty="0"/>
+              <a:t>API Data Providers</a:t>
+            </a:r>
+            <a:endParaRPr lang="en-US" altLang="ko-KR" sz="1600" dirty="0">
+              <a:solidFill>
+                <a:schemeClr val="dk1"/>
+              </a:solidFill>
+            </a:endParaRPr>
+          </a:p>
+        </p:txBody>
+      </p:sp>
+      <p:pic>
+        <p:nvPicPr>
+          <p:cNvPr id="66" name="그림 65"/>
+          <p:cNvPicPr>
+            <a:picLocks noChangeAspect="1"/>
+          </p:cNvPicPr>
+          <p:nvPr/>
+        </p:nvPicPr>
+        <p:blipFill>
+          <a:blip r:embed="rId22">
+            <a:extLst>
+              <a:ext uri="{28A0092B-C50C-407E-A947-70E740481C1C}">
+                <a14:useLocalDpi xmlns:a14="http://schemas.microsoft.com/office/drawing/2010/main" val="0"/>
+              </a:ext>
+            </a:extLst>
+          </a:blip>
+          <a:stretch>
+            <a:fillRect/>
+          </a:stretch>
+        </p:blipFill>
+        <p:spPr>
+          <a:xfrm>
+            <a:off x="9116837" y="1112624"/>
+            <a:ext cx="1857733" cy="619244"/>
+          </a:xfrm>
+          <a:prstGeom prst="rect">
+            <a:avLst/>
+          </a:prstGeom>
+        </p:spPr>
+      </p:pic>
+      <p:pic>
+        <p:nvPicPr>
+          <p:cNvPr id="67" name="그림 66"/>
+          <p:cNvPicPr>
+            <a:picLocks noChangeAspect="1"/>
+          </p:cNvPicPr>
+          <p:nvPr/>
+        </p:nvPicPr>
+        <p:blipFill>
+          <a:blip r:embed="rId23">
+            <a:extLst>
+              <a:ext uri="{28A0092B-C50C-407E-A947-70E740481C1C}">
+                <a14:useLocalDpi xmlns:a14="http://schemas.microsoft.com/office/drawing/2010/main" val="0"/>
+              </a:ext>
+            </a:extLst>
+          </a:blip>
+          <a:stretch>
+            <a:fillRect/>
+          </a:stretch>
+        </p:blipFill>
+        <p:spPr>
+          <a:xfrm>
+            <a:off x="10267259" y="1640915"/>
+            <a:ext cx="1159177" cy="808729"/>
+          </a:xfrm>
+          <a:prstGeom prst="rect">
+            <a:avLst/>
+          </a:prstGeom>
+        </p:spPr>
+      </p:pic>
+      <p:pic>
+        <p:nvPicPr>
+          <p:cNvPr id="68" name="그림 67"/>
+          <p:cNvPicPr>
+            <a:picLocks noChangeAspect="1"/>
+          </p:cNvPicPr>
+          <p:nvPr/>
+        </p:nvPicPr>
+        <p:blipFill>
+          <a:blip r:embed="rId24" cstate="print">
+            <a:extLst>
+              <a:ext uri="{28A0092B-C50C-407E-A947-70E740481C1C}">
+                <a14:useLocalDpi xmlns:a14="http://schemas.microsoft.com/office/drawing/2010/main" val="0"/>
+              </a:ext>
+            </a:extLst>
+          </a:blip>
+          <a:stretch>
+            <a:fillRect/>
+          </a:stretch>
+        </p:blipFill>
+        <p:spPr>
+          <a:xfrm>
+            <a:off x="6675798" y="3379941"/>
+            <a:ext cx="1246175" cy="313324"/>
+          </a:xfrm>
+          <a:prstGeom prst="rect">
+            <a:avLst/>
+          </a:prstGeom>
+        </p:spPr>
+      </p:pic>
+      <p:sp>
+        <p:nvSpPr>
+          <p:cNvPr id="69" name="직사각형 68"/>
+          <p:cNvSpPr/>
+          <p:nvPr/>
+        </p:nvSpPr>
+        <p:spPr>
+          <a:xfrm>
+            <a:off x="10005725" y="2977935"/>
+            <a:ext cx="1617352" cy="1330016"/>
+          </a:xfrm>
+          <a:prstGeom prst="rect">
+            <a:avLst/>
+          </a:prstGeom>
+          <a:solidFill>
+            <a:schemeClr val="lt1"/>
+          </a:solidFill>
+        </p:spPr>
+        <p:style>
+          <a:lnRef idx="2">
+            <a:schemeClr val="accent1">
+              <a:shade val="20000"/>
+            </a:schemeClr>
+          </a:lnRef>
+          <a:fillRef idx="1">
+            <a:schemeClr val="accent1"/>
+          </a:fillRef>
+          <a:effectRef idx="0">
+            <a:schemeClr val="accent1"/>
+          </a:effectRef>
+          <a:fontRef idx="minor">
+            <a:schemeClr val="lt1"/>
+          </a:fontRef>
+        </p:style>
+        <p:txBody>
+          <a:bodyPr anchor="ctr"/>
+          <a:lstStyle/>
+          <a:p>
+            <a:pPr algn="ctr">
+              <a:defRPr/>
+            </a:pPr>
+            <a:endParaRPr lang="en-US" altLang="ko-KR"/>
+          </a:p>
+        </p:txBody>
+      </p:sp>
+      <p:sp>
+        <p:nvSpPr>
+          <p:cNvPr id="70" name="TextBox 69"/>
+          <p:cNvSpPr txBox="1"/>
+          <p:nvPr/>
+        </p:nvSpPr>
+        <p:spPr>
+          <a:xfrm>
+            <a:off x="10208533" y="2616489"/>
+            <a:ext cx="1302555" cy="338554"/>
+          </a:xfrm>
+          <a:prstGeom prst="rect">
+            <a:avLst/>
+          </a:prstGeom>
+        </p:spPr>
+        <p:txBody>
+          <a:bodyPr wrap="square">
+            <a:spAutoFit/>
+          </a:bodyPr>
+          <a:lstStyle/>
+          <a:p>
+            <a:pPr algn="ctr">
+              <a:defRPr/>
+            </a:pPr>
+            <a:r>
+              <a:rPr lang="en-US" altLang="ko-KR" sz="1600" dirty="0"/>
+              <a:t>File Transfer</a:t>
+            </a:r>
+            <a:endParaRPr lang="en-US" altLang="ko-KR" sz="1600" dirty="0"/>
+          </a:p>
+        </p:txBody>
+      </p:sp>
+      <p:pic>
+        <p:nvPicPr>
+          <p:cNvPr id="71" name="그림 70"/>
+          <p:cNvPicPr>
+            <a:picLocks noChangeAspect="1"/>
+          </p:cNvPicPr>
+          <p:nvPr/>
+        </p:nvPicPr>
+        <p:blipFill>
+          <a:blip r:embed="rId25"/>
+          <a:stretch>
+            <a:fillRect/>
+          </a:stretch>
+        </p:blipFill>
+        <p:spPr>
+          <a:xfrm>
+            <a:off x="10475198" y="3316206"/>
+            <a:ext cx="678405" cy="737325"/>
+          </a:xfrm>
+          <a:prstGeom prst="rect">
+            <a:avLst/>
+          </a:prstGeom>
+        </p:spPr>
+      </p:pic>
+      <p:sp>
+        <p:nvSpPr>
+          <p:cNvPr id="72" name="직사각형 71"/>
+          <p:cNvSpPr/>
+          <p:nvPr/>
+        </p:nvSpPr>
+        <p:spPr>
+          <a:xfrm>
+            <a:off x="7037632" y="4955801"/>
+            <a:ext cx="1705550" cy="1234705"/>
+          </a:xfrm>
+          <a:prstGeom prst="rect">
+            <a:avLst/>
+          </a:prstGeom>
+          <a:solidFill>
+            <a:schemeClr val="lt1"/>
+          </a:solidFill>
+        </p:spPr>
+        <p:style>
+          <a:lnRef idx="2">
+            <a:schemeClr val="accent1">
+              <a:shade val="20000"/>
+            </a:schemeClr>
+          </a:lnRef>
+          <a:fillRef idx="1">
+            <a:schemeClr val="accent1"/>
+          </a:fillRef>
+          <a:effectRef idx="0">
+            <a:schemeClr val="accent1"/>
+          </a:effectRef>
+          <a:fontRef idx="minor">
+            <a:schemeClr val="lt1"/>
+          </a:fontRef>
+        </p:style>
+        <p:txBody>
+          <a:bodyPr anchor="ctr"/>
+          <a:lstStyle/>
+          <a:p>
+            <a:pPr algn="ctr">
+              <a:defRPr/>
+            </a:pPr>
+            <a:endParaRPr lang="en-US" altLang="ko-KR"/>
+          </a:p>
+        </p:txBody>
+      </p:sp>
+      <p:sp>
+        <p:nvSpPr>
+          <p:cNvPr id="73" name="TextBox 72"/>
+          <p:cNvSpPr txBox="1"/>
+          <p:nvPr/>
+        </p:nvSpPr>
+        <p:spPr>
+          <a:xfrm>
+            <a:off x="6755688" y="4595815"/>
+            <a:ext cx="2198158" cy="338554"/>
+          </a:xfrm>
+          <a:prstGeom prst="rect">
+            <a:avLst/>
+          </a:prstGeom>
+        </p:spPr>
+        <p:txBody>
+          <a:bodyPr wrap="square">
+            <a:spAutoFit/>
+          </a:bodyPr>
+          <a:lstStyle/>
+          <a:p>
+            <a:pPr algn="ctr">
+              <a:defRPr/>
+            </a:pPr>
+            <a:r>
+              <a:rPr lang="en-US" altLang="ko-KR" sz="1600" dirty="0"/>
+              <a:t>Communication Tools</a:t>
+            </a:r>
+            <a:endParaRPr lang="en-US" altLang="ko-KR" sz="1600" dirty="0"/>
+          </a:p>
+        </p:txBody>
+      </p:sp>
+      <p:pic>
+        <p:nvPicPr>
+          <p:cNvPr id="74" name="그림 73"/>
+          <p:cNvPicPr>
+            <a:picLocks noChangeAspect="1"/>
+          </p:cNvPicPr>
+          <p:nvPr/>
+        </p:nvPicPr>
+        <p:blipFill>
+          <a:blip r:embed="rId26" cstate="print">
+            <a:extLst>
+              <a:ext uri="{28A0092B-C50C-407E-A947-70E740481C1C}">
+                <a14:useLocalDpi xmlns:a14="http://schemas.microsoft.com/office/drawing/2010/main" val="0"/>
+              </a:ext>
+            </a:extLst>
+          </a:blip>
+          <a:stretch>
+            <a:fillRect/>
+          </a:stretch>
+        </p:blipFill>
+        <p:spPr>
+          <a:xfrm>
+            <a:off x="7283230" y="5285949"/>
+            <a:ext cx="1214353" cy="636345"/>
+          </a:xfrm>
+          <a:prstGeom prst="rect">
+            <a:avLst/>
+          </a:prstGeom>
+        </p:spPr>
+      </p:pic>
+    </p:spTree>
+    <p:extLst>
+      <p:ext uri="{BB962C8B-B14F-4D97-AF65-F5344CB8AC3E}">
+        <p14:creationId xmlns:p14="http://schemas.microsoft.com/office/powerpoint/2010/main" val="469262856"/>
+      </p:ext>
+    </p:extLst>
+  </p:cSld>
+  <p:clrMapOvr>
+    <a:masterClrMapping/>
+  </p:clrMapOvr>
+  <mc:AlternateContent xmlns:mc="http://schemas.openxmlformats.org/markup-compatibility/2006" xmlns:p14="http://schemas.microsoft.com/office/powerpoint/2010/main">
+    <mc:Choice Requires="p14">
+      <p:transition/>
+    </mc:Choice>
     <mc:Fallback xmlns:dsp="http://schemas.microsoft.com/office/drawing/2008/diagram" xmlns:dgm="http://schemas.openxmlformats.org/drawingml/2006/diagram" xmlns:c="http://schemas.openxmlformats.org/drawingml/2006/chart" xmlns="">
       <p:transition/>
     </mc:Fallback>
